--- a/slides/problem-solving.pptx
+++ b/slides/problem-solving.pptx
@@ -3923,8 +3923,8 @@
           <a:p>
             <a:pPr algn="l"/>
             <a:r>
-              <a:rPr lang="en-US" b="1" dirty="0"/>
-              <a:t>Basic problem solving</a:t>
+              <a:rPr lang="en-US" b="1"/>
+              <a:t>A simple problem-solving approach</a:t>
             </a:r>
             <a:endParaRPr lang="en-US" dirty="0"/>
           </a:p>

--- a/slides/problem-solving.pptx
+++ b/slides/problem-solving.pptx
@@ -219,7 +219,7 @@
           <a:p>
             <a:fld id="{8A1B613A-EFF1-404F-BEE8-EFAE84A4E5E2}" type="datetimeFigureOut">
               <a:rPr lang="en-US" smtClean="0"/>
-              <a:t>6/20/21</a:t>
+              <a:t>6/22/21</a:t>
             </a:fld>
             <a:endParaRPr lang="en-US"/>
           </a:p>
@@ -384,7 +384,7 @@
           <a:p>
             <a:fld id="{690847EA-AC25-3D4E-89E1-FD3F6A9702B6}" type="datetimeFigureOut">
               <a:rPr lang="en-US" smtClean="0"/>
-              <a:t>6/20/21</a:t>
+              <a:t>6/22/21</a:t>
             </a:fld>
             <a:endParaRPr lang="en-US"/>
           </a:p>
@@ -798,7 +798,7 @@
           <a:p>
             <a:fld id="{BE5295ED-3BAF-1140-8495-3D368771D6B1}" type="datetimeFigureOut">
               <a:rPr lang="en-US" smtClean="0"/>
-              <a:t>6/20/21</a:t>
+              <a:t>6/22/21</a:t>
             </a:fld>
             <a:endParaRPr lang="en-US"/>
           </a:p>
@@ -996,7 +996,7 @@
           <a:p>
             <a:fld id="{BE5295ED-3BAF-1140-8495-3D368771D6B1}" type="datetimeFigureOut">
               <a:rPr lang="en-US" smtClean="0"/>
-              <a:t>6/20/21</a:t>
+              <a:t>6/22/21</a:t>
             </a:fld>
             <a:endParaRPr lang="en-US"/>
           </a:p>
@@ -1204,7 +1204,7 @@
           <a:p>
             <a:fld id="{BE5295ED-3BAF-1140-8495-3D368771D6B1}" type="datetimeFigureOut">
               <a:rPr lang="en-US" smtClean="0"/>
-              <a:t>6/20/21</a:t>
+              <a:t>6/22/21</a:t>
             </a:fld>
             <a:endParaRPr lang="en-US"/>
           </a:p>
@@ -1402,7 +1402,7 @@
           <a:p>
             <a:fld id="{BE5295ED-3BAF-1140-8495-3D368771D6B1}" type="datetimeFigureOut">
               <a:rPr lang="en-US" smtClean="0"/>
-              <a:t>6/20/21</a:t>
+              <a:t>6/22/21</a:t>
             </a:fld>
             <a:endParaRPr lang="en-US"/>
           </a:p>
@@ -1677,7 +1677,7 @@
           <a:p>
             <a:fld id="{BE5295ED-3BAF-1140-8495-3D368771D6B1}" type="datetimeFigureOut">
               <a:rPr lang="en-US" smtClean="0"/>
-              <a:t>6/20/21</a:t>
+              <a:t>6/22/21</a:t>
             </a:fld>
             <a:endParaRPr lang="en-US"/>
           </a:p>
@@ -1942,7 +1942,7 @@
           <a:p>
             <a:fld id="{BE5295ED-3BAF-1140-8495-3D368771D6B1}" type="datetimeFigureOut">
               <a:rPr lang="en-US" smtClean="0"/>
-              <a:t>6/20/21</a:t>
+              <a:t>6/22/21</a:t>
             </a:fld>
             <a:endParaRPr lang="en-US"/>
           </a:p>
@@ -2354,7 +2354,7 @@
           <a:p>
             <a:fld id="{BE5295ED-3BAF-1140-8495-3D368771D6B1}" type="datetimeFigureOut">
               <a:rPr lang="en-US" smtClean="0"/>
-              <a:t>6/20/21</a:t>
+              <a:t>6/22/21</a:t>
             </a:fld>
             <a:endParaRPr lang="en-US"/>
           </a:p>
@@ -2495,7 +2495,7 @@
           <a:p>
             <a:fld id="{BE5295ED-3BAF-1140-8495-3D368771D6B1}" type="datetimeFigureOut">
               <a:rPr lang="en-US" smtClean="0"/>
-              <a:t>6/20/21</a:t>
+              <a:t>6/22/21</a:t>
             </a:fld>
             <a:endParaRPr lang="en-US"/>
           </a:p>
@@ -2608,7 +2608,7 @@
           <a:p>
             <a:fld id="{BE5295ED-3BAF-1140-8495-3D368771D6B1}" type="datetimeFigureOut">
               <a:rPr lang="en-US" smtClean="0"/>
-              <a:t>6/20/21</a:t>
+              <a:t>6/22/21</a:t>
             </a:fld>
             <a:endParaRPr lang="en-US"/>
           </a:p>
@@ -2919,7 +2919,7 @@
           <a:p>
             <a:fld id="{BE5295ED-3BAF-1140-8495-3D368771D6B1}" type="datetimeFigureOut">
               <a:rPr lang="en-US" smtClean="0"/>
-              <a:t>6/20/21</a:t>
+              <a:t>6/22/21</a:t>
             </a:fld>
             <a:endParaRPr lang="en-US"/>
           </a:p>
@@ -3210,7 +3210,7 @@
           <a:p>
             <a:fld id="{BE5295ED-3BAF-1140-8495-3D368771D6B1}" type="datetimeFigureOut">
               <a:rPr lang="en-US" smtClean="0"/>
-              <a:t>6/20/21</a:t>
+              <a:t>6/22/21</a:t>
             </a:fld>
             <a:endParaRPr lang="en-US"/>
           </a:p>
@@ -3451,7 +3451,7 @@
           <a:p>
             <a:fld id="{BE5295ED-3BAF-1140-8495-3D368771D6B1}" type="datetimeFigureOut">
               <a:rPr lang="en-US" smtClean="0"/>
-              <a:t>6/20/21</a:t>
+              <a:t>6/22/21</a:t>
             </a:fld>
             <a:endParaRPr lang="en-US"/>
           </a:p>
@@ -4943,8 +4943,8 @@
           </a:extLst>
         </p:spPr>
       </p:pic>
-      <mc:AlternateContent xmlns:mc="http://schemas.openxmlformats.org/markup-compatibility/2006">
-        <mc:Choice xmlns:a14="http://schemas.microsoft.com/office/drawing/2010/main" Requires="a14">
+      <mc:AlternateContent xmlns:mc="http://schemas.openxmlformats.org/markup-compatibility/2006" xmlns:a14="http://schemas.microsoft.com/office/drawing/2010/main">
+        <mc:Choice Requires="a14">
           <p:sp>
             <p:nvSpPr>
               <p:cNvPr id="4" name="TextBox 3">
@@ -4996,7 +4996,7 @@
             </p:txBody>
           </p:sp>
         </mc:Choice>
-        <mc:Fallback>
+        <mc:Fallback xmlns="">
           <p:sp>
             <p:nvSpPr>
               <p:cNvPr id="4" name="TextBox 3">
@@ -5041,8 +5041,8 @@
           </p:sp>
         </mc:Fallback>
       </mc:AlternateContent>
-      <mc:AlternateContent xmlns:mc="http://schemas.openxmlformats.org/markup-compatibility/2006">
-        <mc:Choice xmlns:a14="http://schemas.microsoft.com/office/drawing/2010/main" Requires="a14">
+      <mc:AlternateContent xmlns:mc="http://schemas.openxmlformats.org/markup-compatibility/2006" xmlns:a14="http://schemas.microsoft.com/office/drawing/2010/main">
+        <mc:Choice Requires="a14">
           <p:sp>
             <p:nvSpPr>
               <p:cNvPr id="6" name="TextBox 5">
@@ -5094,7 +5094,7 @@
             </p:txBody>
           </p:sp>
         </mc:Choice>
-        <mc:Fallback>
+        <mc:Fallback xmlns="">
           <p:sp>
             <p:nvSpPr>
               <p:cNvPr id="6" name="TextBox 5">
@@ -5755,39 +5755,51 @@
       </p:sp>
       <p:sp>
         <p:nvSpPr>
-          <p:cNvPr id="3" name="Content Placeholder 2"/>
-          <p:cNvSpPr>
-            <a:spLocks noGrp="1"/>
-          </p:cNvSpPr>
-          <p:nvPr>
-            <p:ph idx="1"/>
-          </p:nvPr>
-        </p:nvSpPr>
-        <p:spPr/>
-        <p:txBody>
-          <a:bodyPr/>
-          <a:lstStyle/>
-          <a:p>
-            <a:r>
-              <a:rPr lang="en-US" dirty="0"/>
+          <p:cNvPr id="4" name="Rectangle 3">
+            <a:extLst>
+              <a:ext uri="{FF2B5EF4-FFF2-40B4-BE49-F238E27FC236}">
+                <a16:creationId xmlns:a16="http://schemas.microsoft.com/office/drawing/2014/main" id="{8FC8E1D0-EFF1-3540-9EB1-EF287A104ECD}"/>
+              </a:ext>
+            </a:extLst>
+          </p:cNvPr>
+          <p:cNvSpPr/>
+          <p:nvPr/>
+        </p:nvSpPr>
+        <p:spPr>
+          <a:xfrm>
+            <a:off x="838200" y="1690688"/>
+            <a:ext cx="7424530" cy="4154984"/>
+          </a:xfrm>
+          <a:prstGeom prst="rect">
+            <a:avLst/>
+          </a:prstGeom>
+        </p:spPr>
+        <p:txBody>
+          <a:bodyPr wrap="square">
+            <a:spAutoFit/>
+          </a:bodyPr>
+          <a:lstStyle/>
+          <a:p>
+            <a:r>
+              <a:rPr lang="en-US" sz="2400" dirty="0"/>
               <a:t>“</a:t>
             </a:r>
             <a:r>
-              <a:rPr lang="en-US" i="1" dirty="0"/>
+              <a:rPr lang="en-US" sz="2400" i="1" dirty="0"/>
               <a:t>A physicist and a mathematician are sitting in a faculty lounge. Suddenly, the coffee machine catches on fire. The physicist grabs a bucket and leaps towards the sink, fills the bucket with water, and puts out the fire.</a:t>
             </a:r>
             <a:br>
-              <a:rPr lang="en-US" i="1" dirty="0"/>
+              <a:rPr lang="en-US" sz="2400" i="1" dirty="0"/>
             </a:br>
             <a:br>
-              <a:rPr lang="en-US" i="1" dirty="0"/>
+              <a:rPr lang="en-US" sz="2400" i="1" dirty="0"/>
             </a:br>
             <a:r>
-              <a:rPr lang="en-US" i="1" dirty="0"/>
+              <a:rPr lang="en-US" sz="2400" i="1" dirty="0"/>
               <a:t>Second day, the same two sit in the same lounge. Again, the coffee machine catches on fire. This time, the mathematician stands up, gets a bucket, hands the bucket to the physicist, thus, reducing the problem to one with a known solution</a:t>
             </a:r>
             <a:r>
-              <a:rPr lang="en-US" dirty="0"/>
+              <a:rPr lang="en-US" sz="2400" dirty="0"/>
               <a:t>.”</a:t>
             </a:r>
           </a:p>

--- a/slides/problem-solving.pptx
+++ b/slides/problem-solving.pptx
@@ -219,7 +219,7 @@
           <a:p>
             <a:fld id="{8A1B613A-EFF1-404F-BEE8-EFAE84A4E5E2}" type="datetimeFigureOut">
               <a:rPr lang="en-US" smtClean="0"/>
-              <a:t>6/22/21</a:t>
+              <a:t>7/27/21</a:t>
             </a:fld>
             <a:endParaRPr lang="en-US"/>
           </a:p>
@@ -384,7 +384,7 @@
           <a:p>
             <a:fld id="{690847EA-AC25-3D4E-89E1-FD3F6A9702B6}" type="datetimeFigureOut">
               <a:rPr lang="en-US" smtClean="0"/>
-              <a:t>6/22/21</a:t>
+              <a:t>7/27/21</a:t>
             </a:fld>
             <a:endParaRPr lang="en-US"/>
           </a:p>
@@ -798,7 +798,7 @@
           <a:p>
             <a:fld id="{BE5295ED-3BAF-1140-8495-3D368771D6B1}" type="datetimeFigureOut">
               <a:rPr lang="en-US" smtClean="0"/>
-              <a:t>6/22/21</a:t>
+              <a:t>7/27/21</a:t>
             </a:fld>
             <a:endParaRPr lang="en-US"/>
           </a:p>
@@ -996,7 +996,7 @@
           <a:p>
             <a:fld id="{BE5295ED-3BAF-1140-8495-3D368771D6B1}" type="datetimeFigureOut">
               <a:rPr lang="en-US" smtClean="0"/>
-              <a:t>6/22/21</a:t>
+              <a:t>7/27/21</a:t>
             </a:fld>
             <a:endParaRPr lang="en-US"/>
           </a:p>
@@ -1204,7 +1204,7 @@
           <a:p>
             <a:fld id="{BE5295ED-3BAF-1140-8495-3D368771D6B1}" type="datetimeFigureOut">
               <a:rPr lang="en-US" smtClean="0"/>
-              <a:t>6/22/21</a:t>
+              <a:t>7/27/21</a:t>
             </a:fld>
             <a:endParaRPr lang="en-US"/>
           </a:p>
@@ -1402,7 +1402,7 @@
           <a:p>
             <a:fld id="{BE5295ED-3BAF-1140-8495-3D368771D6B1}" type="datetimeFigureOut">
               <a:rPr lang="en-US" smtClean="0"/>
-              <a:t>6/22/21</a:t>
+              <a:t>7/27/21</a:t>
             </a:fld>
             <a:endParaRPr lang="en-US"/>
           </a:p>
@@ -1677,7 +1677,7 @@
           <a:p>
             <a:fld id="{BE5295ED-3BAF-1140-8495-3D368771D6B1}" type="datetimeFigureOut">
               <a:rPr lang="en-US" smtClean="0"/>
-              <a:t>6/22/21</a:t>
+              <a:t>7/27/21</a:t>
             </a:fld>
             <a:endParaRPr lang="en-US"/>
           </a:p>
@@ -1942,7 +1942,7 @@
           <a:p>
             <a:fld id="{BE5295ED-3BAF-1140-8495-3D368771D6B1}" type="datetimeFigureOut">
               <a:rPr lang="en-US" smtClean="0"/>
-              <a:t>6/22/21</a:t>
+              <a:t>7/27/21</a:t>
             </a:fld>
             <a:endParaRPr lang="en-US"/>
           </a:p>
@@ -2354,7 +2354,7 @@
           <a:p>
             <a:fld id="{BE5295ED-3BAF-1140-8495-3D368771D6B1}" type="datetimeFigureOut">
               <a:rPr lang="en-US" smtClean="0"/>
-              <a:t>6/22/21</a:t>
+              <a:t>7/27/21</a:t>
             </a:fld>
             <a:endParaRPr lang="en-US"/>
           </a:p>
@@ -2495,7 +2495,7 @@
           <a:p>
             <a:fld id="{BE5295ED-3BAF-1140-8495-3D368771D6B1}" type="datetimeFigureOut">
               <a:rPr lang="en-US" smtClean="0"/>
-              <a:t>6/22/21</a:t>
+              <a:t>7/27/21</a:t>
             </a:fld>
             <a:endParaRPr lang="en-US"/>
           </a:p>
@@ -2608,7 +2608,7 @@
           <a:p>
             <a:fld id="{BE5295ED-3BAF-1140-8495-3D368771D6B1}" type="datetimeFigureOut">
               <a:rPr lang="en-US" smtClean="0"/>
-              <a:t>6/22/21</a:t>
+              <a:t>7/27/21</a:t>
             </a:fld>
             <a:endParaRPr lang="en-US"/>
           </a:p>
@@ -2919,7 +2919,7 @@
           <a:p>
             <a:fld id="{BE5295ED-3BAF-1140-8495-3D368771D6B1}" type="datetimeFigureOut">
               <a:rPr lang="en-US" smtClean="0"/>
-              <a:t>6/22/21</a:t>
+              <a:t>7/27/21</a:t>
             </a:fld>
             <a:endParaRPr lang="en-US"/>
           </a:p>
@@ -3210,7 +3210,7 @@
           <a:p>
             <a:fld id="{BE5295ED-3BAF-1140-8495-3D368771D6B1}" type="datetimeFigureOut">
               <a:rPr lang="en-US" smtClean="0"/>
-              <a:t>6/22/21</a:t>
+              <a:t>7/27/21</a:t>
             </a:fld>
             <a:endParaRPr lang="en-US"/>
           </a:p>
@@ -3451,7 +3451,7 @@
           <a:p>
             <a:fld id="{BE5295ED-3BAF-1140-8495-3D368771D6B1}" type="datetimeFigureOut">
               <a:rPr lang="en-US" smtClean="0"/>
-              <a:t>6/22/21</a:t>
+              <a:t>7/27/21</a:t>
             </a:fld>
             <a:endParaRPr lang="en-US"/>
           </a:p>
@@ -4007,10 +4007,9 @@
               <a:rPr lang="en-US" dirty="0"/>
             </a:br>
             <a:r>
-              <a:rPr lang="en-US" b="1" dirty="0"/>
+              <a:rPr lang="en-US" dirty="0"/>
               <a:t>University of San Francisco</a:t>
             </a:r>
-            <a:endParaRPr lang="en-US" dirty="0"/>
           </a:p>
         </p:txBody>
       </p:sp>
@@ -5271,7 +5270,15 @@
           <a:p>
             <a:r>
               <a:rPr lang="en-US" dirty="0"/>
-              <a:t>When reading description, identify who is doing what to whom?</a:t>
+              <a:t>When </a:t>
+            </a:r>
+            <a:r>
+              <a:rPr lang="en-US"/>
+              <a:t>reading the description</a:t>
+            </a:r>
+            <a:r>
+              <a:rPr lang="en-US" dirty="0"/>
+              <a:t>, identify who is doing what to whom?</a:t>
             </a:r>
           </a:p>
           <a:p>

--- a/slides/problem-solving.pptx
+++ b/slides/problem-solving.pptx
@@ -4113,7 +4113,7 @@
         <p:spPr/>
         <p:txBody>
           <a:bodyPr>
-            <a:normAutofit lnSpcReduction="10000"/>
+            <a:normAutofit fontScale="92500" lnSpcReduction="10000"/>
           </a:bodyPr>
           <a:lstStyle/>
           <a:p>
@@ -4131,7 +4131,7 @@
             <a:pPr lvl="1"/>
             <a:r>
               <a:rPr lang="en-US" dirty="0"/>
-              <a:t>Can you reduce the problem to known solution by preprocessing the input a bit?</a:t>
+              <a:t>Can you reduce the problem to known solution by preprocessing the input a bit? E.g., if an algorithm only works on positive integers and you have some negative numbers, maybe shift everything into the positive range, perform the operation, and shift back.</a:t>
             </a:r>
           </a:p>
           <a:p>
@@ -4271,7 +4271,7 @@
             <a:pPr lvl="1"/>
             <a:r>
               <a:rPr lang="en-US" dirty="0"/>
-              <a:t>Check that your algorithm solves the main problem and the edge cases.</a:t>
+              <a:t>Check that your algorithm solves the main problem and edge cases</a:t>
             </a:r>
           </a:p>
           <a:p>
@@ -4363,7 +4363,7 @@
             <a:pPr lvl="1"/>
             <a:r>
               <a:rPr lang="en-US" dirty="0"/>
-              <a:t>Return value of function will typically be the expected problem result</a:t>
+              <a:t>The function return value will typically be the expected problem result</a:t>
             </a:r>
           </a:p>
           <a:p>
@@ -4533,7 +4533,7 @@
           <a:p>
             <a:r>
               <a:rPr lang="en-US" dirty="0"/>
-              <a:t>Go back to the algorithm and process design phase and alter it to handle the edge cases</a:t>
+              <a:t>Go back to the algorithm design phase and alter it to handle the edge cases</a:t>
             </a:r>
           </a:p>
           <a:p>
@@ -5270,15 +5270,7 @@
           <a:p>
             <a:r>
               <a:rPr lang="en-US" dirty="0"/>
-              <a:t>When </a:t>
-            </a:r>
-            <a:r>
-              <a:rPr lang="en-US"/>
-              <a:t>reading the description</a:t>
-            </a:r>
-            <a:r>
-              <a:rPr lang="en-US" dirty="0"/>
-              <a:t>, identify who is doing what to whom?</a:t>
+              <a:t>When reading the description, identify who is doing what to whom?</a:t>
             </a:r>
           </a:p>
           <a:p>
